--- a/oupn] školy.pptx
+++ b/oupn] školy.pptx
@@ -122,7 +122,7 @@
 <file path=ppt/revisionInfo.xml><?xml version="1.0" encoding="utf-8"?>
 <p1510:revInfo xmlns:a="http://schemas.openxmlformats.org/drawingml/2006/main" xmlns:r="http://schemas.openxmlformats.org/officeDocument/2006/relationships" xmlns:p1510="http://schemas.microsoft.com/office/powerpoint/2015/10/main">
   <p1510:revLst>
-    <p1510:client id="{168B34FB-34FC-41E5-961F-B48FEA46041C}" v="9" dt="2022-10-13T13:55:25.130"/>
+    <p1510:client id="{168B34FB-34FC-41E5-961F-B48FEA46041C}" v="11" dt="2022-10-13T14:14:31.600"/>
   </p1510:revLst>
 </p1510:revInfo>
 </file>
@@ -132,7 +132,7 @@
   <pc:docChgLst>
     <pc:chgData name="Jan" userId="fd156dbab015c8a5" providerId="LiveId" clId="{168B34FB-34FC-41E5-961F-B48FEA46041C}"/>
     <pc:docChg chg="undo custSel addSld modSld sldOrd">
-      <pc:chgData name="Jan" userId="fd156dbab015c8a5" providerId="LiveId" clId="{168B34FB-34FC-41E5-961F-B48FEA46041C}" dt="2022-10-13T13:55:25.130" v="550"/>
+      <pc:chgData name="Jan" userId="fd156dbab015c8a5" providerId="LiveId" clId="{168B34FB-34FC-41E5-961F-B48FEA46041C}" dt="2022-10-13T14:14:31.584" v="610"/>
       <pc:docMkLst>
         <pc:docMk/>
       </pc:docMkLst>
@@ -160,7 +160,7 @@
         </pc:spChg>
       </pc:sldChg>
       <pc:sldChg chg="modSp new mod">
-        <pc:chgData name="Jan" userId="fd156dbab015c8a5" providerId="LiveId" clId="{168B34FB-34FC-41E5-961F-B48FEA46041C}" dt="2022-10-13T13:52:41.009" v="517"/>
+        <pc:chgData name="Jan" userId="fd156dbab015c8a5" providerId="LiveId" clId="{168B34FB-34FC-41E5-961F-B48FEA46041C}" dt="2022-10-13T14:14:31.584" v="610"/>
         <pc:sldMkLst>
           <pc:docMk/>
           <pc:sldMk cId="1141351760" sldId="260"/>
@@ -174,7 +174,7 @@
           </ac:spMkLst>
         </pc:spChg>
         <pc:spChg chg="mod">
-          <ac:chgData name="Jan" userId="fd156dbab015c8a5" providerId="LiveId" clId="{168B34FB-34FC-41E5-961F-B48FEA46041C}" dt="2022-10-13T13:52:41.009" v="517"/>
+          <ac:chgData name="Jan" userId="fd156dbab015c8a5" providerId="LiveId" clId="{168B34FB-34FC-41E5-961F-B48FEA46041C}" dt="2022-10-13T14:14:31.584" v="610"/>
           <ac:spMkLst>
             <pc:docMk/>
             <pc:sldMk cId="1141351760" sldId="260"/>
@@ -13248,10 +13248,9 @@
           <a:lstStyle/>
           <a:p>
             <a:r>
-              <a:rPr lang="cs-CZ"/>
+              <a:rPr lang="cs-CZ" dirty="0"/>
               <a:t>Zrada 😶‍🌫️</a:t>
             </a:r>
-            <a:endParaRPr lang="cs-CZ" dirty="0"/>
           </a:p>
         </p:txBody>
       </p:sp>
@@ -13380,6 +13379,12 @@
             <a:r>
               <a:rPr lang="cs-CZ" dirty="0"/>
               <a:t>Vzhled /katastrofální/😵‍💫</a:t>
+            </a:r>
+          </a:p>
+          <a:p>
+            <a:r>
+              <a:rPr lang="cs-CZ" dirty="0"/>
+              <a:t>Zobrazení statistik /skryto – nelze momentálně užít/ 🤪</a:t>
             </a:r>
           </a:p>
           <a:p>
